--- a/Java-Course-Report/presentation.pptx
+++ b/Java-Course-Report/presentation.pptx
@@ -309,7 +309,7 @@
           <a:p>
             <a:fld id="{128FCA9C-FF92-4024-BDEC-A6D3B663DC09}" type="datetimeFigureOut">
               <a:rPr lang="en-US" altLang="zh-CN"/>
-              <a:t>1/3/2016</a:t>
+              <a:t>1/6/2016</a:t>
             </a:fld>
             <a:endParaRPr lang="zh-CN"/>
           </a:p>
@@ -473,7 +473,7 @@
           </a:lstStyle>
           <a:p>
             <a:fld id="{772AB877-E7B1-4681-847E-D0918612832B}" type="datetimeFigureOut">
-              <a:t>2016/1/3</a:t>
+              <a:t>2016/1/6</a:t>
             </a:fld>
             <a:endParaRPr lang="zh-CN"/>
           </a:p>
@@ -1328,7 +1328,7 @@
           <a:lstStyle/>
           <a:p>
             <a:fld id="{EDF33987-6305-4E2A-BF18-EF013ECE927B}" type="datetimeFigureOut">
-              <a:t>2016/1/3</a:t>
+              <a:t>2016/1/6</a:t>
             </a:fld>
             <a:endParaRPr lang="zh-CN"/>
           </a:p>
@@ -1541,7 +1541,7 @@
           <a:lstStyle/>
           <a:p>
             <a:fld id="{EDF33987-6305-4E2A-BF18-EF013ECE927B}" type="datetimeFigureOut">
-              <a:t>2016/1/3</a:t>
+              <a:t>2016/1/6</a:t>
             </a:fld>
             <a:endParaRPr lang="zh-CN"/>
           </a:p>
@@ -1744,7 +1744,7 @@
           <a:lstStyle/>
           <a:p>
             <a:fld id="{EDF33987-6305-4E2A-BF18-EF013ECE927B}" type="datetimeFigureOut">
-              <a:t>2016/1/3</a:t>
+              <a:t>2016/1/6</a:t>
             </a:fld>
             <a:endParaRPr lang="zh-CN"/>
           </a:p>
@@ -2010,7 +2010,7 @@
           <a:lstStyle/>
           <a:p>
             <a:fld id="{EDF33987-6305-4E2A-BF18-EF013ECE927B}" type="datetimeFigureOut">
-              <a:t>2016/1/3</a:t>
+              <a:t>2016/1/6</a:t>
             </a:fld>
             <a:endParaRPr lang="zh-CN"/>
           </a:p>
@@ -2319,7 +2319,7 @@
           <a:lstStyle/>
           <a:p>
             <a:fld id="{EDF33987-6305-4E2A-BF18-EF013ECE927B}" type="datetimeFigureOut">
-              <a:t>2016/1/3</a:t>
+              <a:t>2016/1/6</a:t>
             </a:fld>
             <a:endParaRPr lang="zh-CN"/>
           </a:p>
@@ -2785,7 +2785,7 @@
           <a:lstStyle/>
           <a:p>
             <a:fld id="{EDF33987-6305-4E2A-BF18-EF013ECE927B}" type="datetimeFigureOut">
-              <a:t>2016/1/3</a:t>
+              <a:t>2016/1/6</a:t>
             </a:fld>
             <a:endParaRPr lang="zh-CN"/>
           </a:p>
@@ -2920,7 +2920,7 @@
           <a:lstStyle/>
           <a:p>
             <a:fld id="{EDF33987-6305-4E2A-BF18-EF013ECE927B}" type="datetimeFigureOut">
-              <a:t>2016/1/3</a:t>
+              <a:t>2016/1/6</a:t>
             </a:fld>
             <a:endParaRPr lang="zh-CN"/>
           </a:p>
@@ -3032,7 +3032,7 @@
           <a:lstStyle/>
           <a:p>
             <a:fld id="{EDF33987-6305-4E2A-BF18-EF013ECE927B}" type="datetimeFigureOut">
-              <a:t>2016/1/3</a:t>
+              <a:t>2016/1/6</a:t>
             </a:fld>
             <a:endParaRPr lang="zh-CN"/>
           </a:p>
@@ -3404,7 +3404,7 @@
           <a:lstStyle/>
           <a:p>
             <a:fld id="{EDF33987-6305-4E2A-BF18-EF013ECE927B}" type="datetimeFigureOut">
-              <a:t>2016/1/3</a:t>
+              <a:t>2016/1/6</a:t>
             </a:fld>
             <a:endParaRPr lang="zh-CN"/>
           </a:p>
@@ -3769,7 +3769,7 @@
           <a:lstStyle/>
           <a:p>
             <a:fld id="{EDF33987-6305-4E2A-BF18-EF013ECE927B}" type="datetimeFigureOut">
-              <a:t>2016/1/3</a:t>
+              <a:t>2016/1/6</a:t>
             </a:fld>
             <a:endParaRPr lang="zh-CN"/>
           </a:p>
@@ -4023,7 +4023,7 @@
             <a:fld id="{EDF33987-6305-4E2A-BF18-EF013ECE927B}" type="datetimeFigureOut">
               <a:rPr lang="en-US" altLang="zh-CN" smtClean="0"/>
               <a:pPr/>
-              <a:t>1/3/2016</a:t>
+              <a:t>1/6/2016</a:t>
             </a:fld>
             <a:endParaRPr lang="zh-CN" altLang="en-US"/>
           </a:p>
@@ -4829,7 +4829,19 @@
           <a:p>
             <a:r>
               <a:rPr lang="zh-CN" altLang="en-US" sz="2800" b="1" dirty="0" smtClean="0"/>
-              <a:t>网络爬虫代码</a:t>
+              <a:t>网络</a:t>
+            </a:r>
+            <a:r>
+              <a:rPr lang="zh-CN" altLang="en-US" sz="2800" b="1" dirty="0" smtClean="0"/>
+              <a:t>爬虫</a:t>
+            </a:r>
+            <a:r>
+              <a:rPr lang="en-US" altLang="zh-CN" sz="2800" b="1" dirty="0" smtClean="0"/>
+              <a:t>&amp;</a:t>
+            </a:r>
+            <a:r>
+              <a:rPr lang="zh-CN" altLang="en-US" sz="2800" b="1" dirty="0" smtClean="0"/>
+              <a:t>分词代码</a:t>
             </a:r>
             <a:r>
               <a:rPr lang="zh-CN" altLang="en-US" sz="2800" b="1" dirty="0"/>
@@ -4888,6 +4900,78 @@
           </a:p>
         </p:txBody>
       </p:sp>
+      <p:pic>
+        <p:nvPicPr>
+          <p:cNvPr id="6" name="图片 5"/>
+          <p:cNvPicPr>
+            <a:picLocks noChangeAspect="1"/>
+          </p:cNvPicPr>
+          <p:nvPr/>
+        </p:nvPicPr>
+        <p:blipFill>
+          <a:blip r:embed="rId2"/>
+          <a:stretch>
+            <a:fillRect/>
+          </a:stretch>
+        </p:blipFill>
+        <p:spPr>
+          <a:xfrm>
+            <a:off x="166497" y="1196752"/>
+            <a:ext cx="9529378" cy="5310045"/>
+          </a:xfrm>
+          <a:prstGeom prst="rect">
+            <a:avLst/>
+          </a:prstGeom>
+        </p:spPr>
+      </p:pic>
+      <p:pic>
+        <p:nvPicPr>
+          <p:cNvPr id="8" name="图片 7"/>
+          <p:cNvPicPr>
+            <a:picLocks noChangeAspect="1"/>
+          </p:cNvPicPr>
+          <p:nvPr/>
+        </p:nvPicPr>
+        <p:blipFill>
+          <a:blip r:embed="rId3"/>
+          <a:stretch>
+            <a:fillRect/>
+          </a:stretch>
+        </p:blipFill>
+        <p:spPr>
+          <a:xfrm>
+            <a:off x="5354728" y="1196751"/>
+            <a:ext cx="6839271" cy="5310045"/>
+          </a:xfrm>
+          <a:prstGeom prst="rect">
+            <a:avLst/>
+          </a:prstGeom>
+        </p:spPr>
+      </p:pic>
+      <p:pic>
+        <p:nvPicPr>
+          <p:cNvPr id="9" name="图片 8"/>
+          <p:cNvPicPr>
+            <a:picLocks noChangeAspect="1"/>
+          </p:cNvPicPr>
+          <p:nvPr/>
+        </p:nvPicPr>
+        <p:blipFill>
+          <a:blip r:embed="rId4"/>
+          <a:stretch>
+            <a:fillRect/>
+          </a:stretch>
+        </p:blipFill>
+        <p:spPr>
+          <a:xfrm>
+            <a:off x="2446533" y="1700808"/>
+            <a:ext cx="6522253" cy="4706079"/>
+          </a:xfrm>
+          <a:prstGeom prst="rect">
+            <a:avLst/>
+          </a:prstGeom>
+        </p:spPr>
+      </p:pic>
     </p:spTree>
     <p:extLst>
       <p:ext uri="{BB962C8B-B14F-4D97-AF65-F5344CB8AC3E}">
@@ -4898,13 +4982,13 @@
   <p:clrMapOvr>
     <a:masterClrMapping/>
   </p:clrMapOvr>
-  <mc:AlternateContent xmlns:mc="http://schemas.openxmlformats.org/markup-compatibility/2006">
-    <mc:Choice xmlns:p14="http://schemas.microsoft.com/office/powerpoint/2010/main" Requires="p14">
+  <mc:AlternateContent xmlns:mc="http://schemas.openxmlformats.org/markup-compatibility/2006" xmlns:p14="http://schemas.microsoft.com/office/powerpoint/2010/main">
+    <mc:Choice Requires="p14">
       <p:transition spd="med" p14:dur="700">
         <p:fade/>
       </p:transition>
     </mc:Choice>
-    <mc:Fallback>
+    <mc:Fallback xmlns="">
       <p:transition spd="med">
         <p:fade/>
       </p:transition>
@@ -5134,17 +5218,7 @@
                 <a:latin typeface="宋体" panose="02010600030101010101" pitchFamily="2" charset="-122"/>
                 <a:ea typeface="宋体" panose="02010600030101010101" pitchFamily="2" charset="-122"/>
               </a:rPr>
-              <a:t>H</a:t>
-            </a:r>
-            <a:r>
-              <a:rPr lang="en-US" altLang="zh-CN" dirty="0" smtClean="0">
-                <a:solidFill>
-                  <a:srgbClr val="333333"/>
-                </a:solidFill>
-                <a:latin typeface="宋体" panose="02010600030101010101" pitchFamily="2" charset="-122"/>
-                <a:ea typeface="宋体" panose="02010600030101010101" pitchFamily="2" charset="-122"/>
-              </a:rPr>
-              <a:t>adoop</a:t>
+              <a:t>Hadoop</a:t>
             </a:r>
             <a:r>
               <a:rPr lang="zh-CN" altLang="en-US" dirty="0" smtClean="0">
@@ -5524,14 +5598,7 @@
                 <a:latin typeface="宋体" panose="02010600030101010101" pitchFamily="2" charset="-122"/>
                 <a:ea typeface="宋体" panose="02010600030101010101" pitchFamily="2" charset="-122"/>
               </a:rPr>
-              <a:t>百</a:t>
-            </a:r>
-            <a:r>
-              <a:rPr lang="zh-CN" altLang="en-US" sz="2800" b="1" dirty="0" smtClean="0">
-                <a:latin typeface="宋体" panose="02010600030101010101" pitchFamily="2" charset="-122"/>
-                <a:ea typeface="宋体" panose="02010600030101010101" pitchFamily="2" charset="-122"/>
-              </a:rPr>
-              <a:t>度新闻结果</a:t>
+              <a:t>百度新闻结果</a:t>
             </a:r>
             <a:endParaRPr lang="zh-CN" sz="2800" b="1" dirty="0">
               <a:latin typeface="宋体" panose="02010600030101010101" pitchFamily="2" charset="-122"/>
@@ -5767,14 +5834,7 @@
                 <a:latin typeface="宋体" panose="02010600030101010101" pitchFamily="2" charset="-122"/>
                 <a:ea typeface="宋体" panose="02010600030101010101" pitchFamily="2" charset="-122"/>
               </a:rPr>
-              <a:t>新华</a:t>
-            </a:r>
-            <a:r>
-              <a:rPr lang="zh-CN" altLang="en-US" sz="2800" b="1" dirty="0" smtClean="0">
-                <a:latin typeface="宋体" panose="02010600030101010101" pitchFamily="2" charset="-122"/>
-                <a:ea typeface="宋体" panose="02010600030101010101" pitchFamily="2" charset="-122"/>
-              </a:rPr>
-              <a:t>新闻结果</a:t>
+              <a:t>新华新闻结果</a:t>
             </a:r>
             <a:endParaRPr lang="zh-CN" altLang="en-US" sz="2800" b="1" dirty="0">
               <a:latin typeface="宋体" panose="02010600030101010101" pitchFamily="2" charset="-122"/>
@@ -6383,14 +6443,7 @@
                 <a:latin typeface="宋体" panose="02010600030101010101" pitchFamily="2" charset="-122"/>
                 <a:ea typeface="宋体" panose="02010600030101010101" pitchFamily="2" charset="-122"/>
               </a:rPr>
-              <a:t>开发</a:t>
-            </a:r>
-            <a:r>
-              <a:rPr lang="zh-CN" altLang="en-US" b="1" dirty="0" smtClean="0">
-                <a:latin typeface="宋体" panose="02010600030101010101" pitchFamily="2" charset="-122"/>
-                <a:ea typeface="宋体" panose="02010600030101010101" pitchFamily="2" charset="-122"/>
-              </a:rPr>
-              <a:t>：张玉英</a:t>
+              <a:t>开发：张玉英</a:t>
             </a:r>
             <a:endParaRPr lang="zh-CN" altLang="en-US" b="1" dirty="0">
               <a:latin typeface="宋体" panose="02010600030101010101" pitchFamily="2" charset="-122"/>
@@ -6426,10 +6479,6 @@
               </a:rPr>
               <a:t>：魏钊旸</a:t>
             </a:r>
-            <a:endParaRPr lang="zh-CN" altLang="en-US" b="1" dirty="0">
-              <a:latin typeface="宋体" panose="02010600030101010101" pitchFamily="2" charset="-122"/>
-              <a:ea typeface="宋体" panose="02010600030101010101" pitchFamily="2" charset="-122"/>
-            </a:endParaRPr>
           </a:p>
           <a:p>
             <a:r>
@@ -6437,19 +6486,8 @@
                 <a:latin typeface="宋体" panose="02010600030101010101" pitchFamily="2" charset="-122"/>
                 <a:ea typeface="宋体" panose="02010600030101010101" pitchFamily="2" charset="-122"/>
               </a:rPr>
-              <a:t>数据深度分析及项目演示</a:t>
-            </a:r>
-            <a:r>
-              <a:rPr lang="zh-CN" altLang="en-US" b="1" dirty="0">
-                <a:latin typeface="宋体" panose="02010600030101010101" pitchFamily="2" charset="-122"/>
-                <a:ea typeface="宋体" panose="02010600030101010101" pitchFamily="2" charset="-122"/>
-              </a:rPr>
-              <a:t>工作：孙明月</a:t>
-            </a:r>
-            <a:endParaRPr lang="zh-CN" altLang="en-US" b="1" dirty="0">
-              <a:latin typeface="宋体" panose="02010600030101010101" pitchFamily="2" charset="-122"/>
-              <a:ea typeface="宋体" panose="02010600030101010101" pitchFamily="2" charset="-122"/>
-            </a:endParaRPr>
+              <a:t>数据深度分析及项目演示工作：孙明月</a:t>
+            </a:r>
           </a:p>
         </p:txBody>
       </p:sp>
@@ -6605,7 +6643,7 @@
                 <a:latin typeface="宋体" panose="02010600030101010101" pitchFamily="2" charset="-122"/>
                 <a:ea typeface="宋体" panose="02010600030101010101" pitchFamily="2" charset="-122"/>
               </a:rPr>
-              <a:t>本</a:t>
+              <a:t>   本</a:t>
             </a:r>
             <a:r>
               <a:rPr lang="zh-CN" altLang="en-US" dirty="0">
@@ -6658,7 +6696,7 @@
                 <a:latin typeface="宋体" panose="02010600030101010101" pitchFamily="2" charset="-122"/>
                 <a:ea typeface="宋体" panose="02010600030101010101" pitchFamily="2" charset="-122"/>
               </a:rPr>
-              <a:t>网络</a:t>
+              <a:t>  网络</a:t>
             </a:r>
             <a:r>
               <a:rPr lang="zh-CN" altLang="en-US" dirty="0">
@@ -6696,6 +6734,20 @@
             <a:pPr marL="45720" indent="0">
               <a:buNone/>
             </a:pPr>
+            <a:r>
+              <a:rPr lang="en-US" altLang="zh-CN" dirty="0">
+                <a:latin typeface="宋体" panose="02010600030101010101" pitchFamily="2" charset="-122"/>
+                <a:ea typeface="宋体" panose="02010600030101010101" pitchFamily="2" charset="-122"/>
+              </a:rPr>
+              <a:t> </a:t>
+            </a:r>
+            <a:r>
+              <a:rPr lang="en-US" altLang="zh-CN" dirty="0" smtClean="0">
+                <a:latin typeface="宋体" panose="02010600030101010101" pitchFamily="2" charset="-122"/>
+                <a:ea typeface="宋体" panose="02010600030101010101" pitchFamily="2" charset="-122"/>
+              </a:rPr>
+              <a:t>  </a:t>
+            </a:r>
             <a:r>
               <a:rPr lang="zh-CN" altLang="en-US" dirty="0" smtClean="0">
                 <a:latin typeface="宋体" panose="02010600030101010101" pitchFamily="2" charset="-122"/>
@@ -6882,21 +6934,7 @@
                 <a:latin typeface="宋体" panose="02010600030101010101" pitchFamily="2" charset="-122"/>
                 <a:ea typeface="宋体" panose="02010600030101010101" pitchFamily="2" charset="-122"/>
               </a:rPr>
-              <a:t>  </a:t>
-            </a:r>
-            <a:r>
-              <a:rPr lang="zh-CN" altLang="en-US" dirty="0" smtClean="0">
-                <a:latin typeface="宋体" panose="02010600030101010101" pitchFamily="2" charset="-122"/>
-                <a:ea typeface="宋体" panose="02010600030101010101" pitchFamily="2" charset="-122"/>
-              </a:rPr>
-              <a:t>项目</a:t>
-            </a:r>
-            <a:r>
-              <a:rPr lang="zh-CN" altLang="en-US" dirty="0" smtClean="0">
-                <a:latin typeface="宋体" panose="02010600030101010101" pitchFamily="2" charset="-122"/>
-                <a:ea typeface="宋体" panose="02010600030101010101" pitchFamily="2" charset="-122"/>
-              </a:rPr>
-              <a:t>简介</a:t>
+              <a:t>  项目简介</a:t>
             </a:r>
             <a:endParaRPr lang="en-US" altLang="zh-CN" dirty="0" smtClean="0">
               <a:latin typeface="宋体" panose="02010600030101010101" pitchFamily="2" charset="-122"/>
@@ -6985,14 +7023,7 @@
                 <a:latin typeface="宋体" panose="02010600030101010101" pitchFamily="2" charset="-122"/>
                 <a:ea typeface="宋体" panose="02010600030101010101" pitchFamily="2" charset="-122"/>
               </a:rPr>
-              <a:t>具体</a:t>
-            </a:r>
-            <a:r>
-              <a:rPr lang="zh-CN" altLang="en-US" sz="2600" b="1" dirty="0">
-                <a:latin typeface="宋体" panose="02010600030101010101" pitchFamily="2" charset="-122"/>
-                <a:ea typeface="宋体" panose="02010600030101010101" pitchFamily="2" charset="-122"/>
-              </a:rPr>
-              <a:t>实现</a:t>
+              <a:t>具体实现</a:t>
             </a:r>
             <a:endParaRPr lang="en-US" altLang="zh-CN" sz="2600" b="1" dirty="0">
               <a:latin typeface="宋体" panose="02010600030101010101" pitchFamily="2" charset="-122"/>
@@ -7117,92 +7148,6 @@
               <a:buNone/>
             </a:pPr>
             <a:endParaRPr lang="en-US" altLang="zh-CN" dirty="0" smtClean="0">
-              <a:latin typeface="宋体" panose="02010600030101010101" pitchFamily="2" charset="-122"/>
-              <a:ea typeface="宋体" panose="02010600030101010101" pitchFamily="2" charset="-122"/>
-            </a:endParaRPr>
-          </a:p>
-        </p:txBody>
-      </p:sp>
-      <p:sp>
-        <p:nvSpPr>
-          <p:cNvPr id="4" name="页脚占位符 3"/>
-          <p:cNvSpPr>
-            <a:spLocks noGrp="1"/>
-          </p:cNvSpPr>
-          <p:nvPr>
-            <p:ph type="ftr" sz="quarter" idx="11"/>
-          </p:nvPr>
-        </p:nvSpPr>
-        <p:spPr>
-          <a:xfrm>
-            <a:off x="2205980" y="6597352"/>
-            <a:ext cx="6638176" cy="180974"/>
-          </a:xfrm>
-        </p:spPr>
-        <p:txBody>
-          <a:bodyPr/>
-          <a:lstStyle/>
-          <a:p>
-            <a:pPr algn="ctr"/>
-            <a:r>
-              <a:rPr lang="en-US" altLang="zh-CN" sz="2000" dirty="0" smtClean="0">
-                <a:solidFill>
-                  <a:schemeClr val="tx2">
-                    <a:lumMod val="95000"/>
-                    <a:lumOff val="5000"/>
-                  </a:schemeClr>
-                </a:solidFill>
-                <a:latin typeface="宋体" panose="02010600030101010101" pitchFamily="2" charset="-122"/>
-                <a:ea typeface="宋体" panose="02010600030101010101" pitchFamily="2" charset="-122"/>
-              </a:rPr>
-              <a:t>《</a:t>
-            </a:r>
-            <a:r>
-              <a:rPr lang="zh-CN" altLang="en-US" sz="2000" dirty="0" smtClean="0">
-                <a:solidFill>
-                  <a:schemeClr val="tx2">
-                    <a:lumMod val="95000"/>
-                    <a:lumOff val="5000"/>
-                  </a:schemeClr>
-                </a:solidFill>
-                <a:latin typeface="宋体" panose="02010600030101010101" pitchFamily="2" charset="-122"/>
-                <a:ea typeface="宋体" panose="02010600030101010101" pitchFamily="2" charset="-122"/>
-              </a:rPr>
-              <a:t>嵌入式系统概论</a:t>
-            </a:r>
-            <a:r>
-              <a:rPr lang="en-US" altLang="zh-CN" sz="2000" dirty="0" smtClean="0">
-                <a:solidFill>
-                  <a:schemeClr val="tx2">
-                    <a:lumMod val="95000"/>
-                    <a:lumOff val="5000"/>
-                  </a:schemeClr>
-                </a:solidFill>
-                <a:latin typeface="宋体" panose="02010600030101010101" pitchFamily="2" charset="-122"/>
-                <a:ea typeface="宋体" panose="02010600030101010101" pitchFamily="2" charset="-122"/>
-              </a:rPr>
-              <a:t>》</a:t>
-            </a:r>
-            <a:r>
-              <a:rPr lang="zh-CN" altLang="en-US" sz="2000" dirty="0" smtClean="0">
-                <a:solidFill>
-                  <a:schemeClr val="tx2">
-                    <a:lumMod val="95000"/>
-                    <a:lumOff val="5000"/>
-                  </a:schemeClr>
-                </a:solidFill>
-                <a:latin typeface="宋体" panose="02010600030101010101" pitchFamily="2" charset="-122"/>
-                <a:ea typeface="宋体" panose="02010600030101010101" pitchFamily="2" charset="-122"/>
-              </a:rPr>
-              <a:t>课程项目</a:t>
-            </a:r>
-            <a:endParaRPr lang="zh-CN" sz="2000" dirty="0">
-              <a:solidFill>
-                <a:schemeClr val="tx2">
-                  <a:lumMod val="95000"/>
-                  <a:lumOff val="5000"/>
-                </a:schemeClr>
-              </a:solidFill>
               <a:latin typeface="宋体" panose="02010600030101010101" pitchFamily="2" charset="-122"/>
               <a:ea typeface="宋体" panose="02010600030101010101" pitchFamily="2" charset="-122"/>
             </a:endParaRPr>
@@ -7492,7 +7437,21 @@
                 <a:latin typeface="宋体" panose="02010600030101010101" pitchFamily="2" charset="-122"/>
                 <a:ea typeface="宋体" panose="02010600030101010101" pitchFamily="2" charset="-122"/>
               </a:rPr>
-              <a:t>使用设计完成的网络爬虫检索并爬取某个新闻站点（项目示例中为新华网和百度新闻）一年之内所发布的所有文章，并采集文章的正文文本按月份予以保存。</a:t>
+              <a:t>使用设计完成的网络爬虫检索并爬取某个新闻站点（项目示例中为新华网和百度新闻）一年之内所发布的所有文章，并采集文章的正文</a:t>
+            </a:r>
+            <a:r>
+              <a:rPr lang="zh-CN" altLang="en-US" sz="2200" dirty="0" smtClean="0">
+                <a:latin typeface="宋体" panose="02010600030101010101" pitchFamily="2" charset="-122"/>
+                <a:ea typeface="宋体" panose="02010600030101010101" pitchFamily="2" charset="-122"/>
+              </a:rPr>
+              <a:t>文本分词按</a:t>
+            </a:r>
+            <a:r>
+              <a:rPr lang="zh-CN" altLang="en-US" sz="2200" dirty="0">
+                <a:latin typeface="宋体" panose="02010600030101010101" pitchFamily="2" charset="-122"/>
+                <a:ea typeface="宋体" panose="02010600030101010101" pitchFamily="2" charset="-122"/>
+              </a:rPr>
+              <a:t>月份予以保存。</a:t>
             </a:r>
           </a:p>
           <a:p>
@@ -7527,7 +7486,21 @@
                 <a:latin typeface="宋体" panose="02010600030101010101" pitchFamily="2" charset="-122"/>
                 <a:ea typeface="宋体" panose="02010600030101010101" pitchFamily="2" charset="-122"/>
               </a:rPr>
-              <a:t>云计算框架对得到的新闻文本进行分词和词频统计工作，统计出每个月以及全年的关键词出现频率，并加以排序处理。</a:t>
+              <a:t>云计算框架对得到的新闻文本</a:t>
+            </a:r>
+            <a:r>
+              <a:rPr lang="zh-CN" altLang="en-US" sz="2200" dirty="0" smtClean="0">
+                <a:latin typeface="宋体" panose="02010600030101010101" pitchFamily="2" charset="-122"/>
+                <a:ea typeface="宋体" panose="02010600030101010101" pitchFamily="2" charset="-122"/>
+              </a:rPr>
+              <a:t>进行词频</a:t>
+            </a:r>
+            <a:r>
+              <a:rPr lang="zh-CN" altLang="en-US" sz="2200" dirty="0">
+                <a:latin typeface="宋体" panose="02010600030101010101" pitchFamily="2" charset="-122"/>
+                <a:ea typeface="宋体" panose="02010600030101010101" pitchFamily="2" charset="-122"/>
+              </a:rPr>
+              <a:t>统计工作，统计出每个月以及全年的关键词出现频率，并加以排序处理。</a:t>
             </a:r>
           </a:p>
           <a:p>
